--- a/Customer Churn Prediction Project_ICASET.pptx
+++ b/Customer Churn Prediction Project_ICASET.pptx
@@ -254,8 +254,11 @@
     </a:lvl9pPr>
   </p:defaultTextStyle>
   <p:extLst>
+    <p:ext uri="{EFAFB233-063F-42B5-8137-9DF3F51BA10A}">
+      <p15:sldGuideLst xmlns:p15="http://schemas.microsoft.com/office/powerpoint/2012/main"/>
+    </p:ext>
     <p:ext uri="GoogleSlidesCustomDataVersion2">
-      <go:slidesCustomData xmlns:go="http://customooxmlschemas.google.com/" xmlns:ahyp="http://schemas.microsoft.com/office/drawing/2018/hyperlinkcolor" xmlns:p15="http://schemas.microsoft.com/office/powerpoint/2012/main" xmlns:p14="http://schemas.microsoft.com/office/powerpoint/2010/main" xmlns:com="http://schemas.openxmlformats.org/drawingml/2006/compatibility" xmlns:pvml="urn:schemas-microsoft-com:office:powerpoint" xmlns:v="urn:schemas-microsoft-com:vml" xmlns:o="urn:schemas-microsoft-com:office:office" xmlns:dgm="http://schemas.openxmlformats.org/drawingml/2006/diagram" xmlns:c="http://schemas.openxmlformats.org/drawingml/2006/chart" xmlns:mv="urn:schemas-microsoft-com:mac:vml" xmlns:mc="http://schemas.openxmlformats.org/markup-compatibility/2006" xmlns="" r:id="rId18" roundtripDataSignature="AMtx7mgtIad/Vy5rJhN+pqks1PTFvxUQJA=="/>
+      <go:slidesCustomData xmlns="" xmlns:mc="http://schemas.openxmlformats.org/markup-compatibility/2006" xmlns:mv="urn:schemas-microsoft-com:mac:vml" xmlns:c="http://schemas.openxmlformats.org/drawingml/2006/chart" xmlns:dgm="http://schemas.openxmlformats.org/drawingml/2006/diagram" xmlns:o="urn:schemas-microsoft-com:office:office" xmlns:v="urn:schemas-microsoft-com:vml" xmlns:pvml="urn:schemas-microsoft-com:office:powerpoint" xmlns:com="http://schemas.openxmlformats.org/drawingml/2006/compatibility" xmlns:p14="http://schemas.microsoft.com/office/powerpoint/2010/main" xmlns:p15="http://schemas.microsoft.com/office/powerpoint/2012/main" xmlns:ahyp="http://schemas.microsoft.com/office/drawing/2018/hyperlinkcolor" xmlns:go="http://customooxmlschemas.google.com/" r:id="rId18" roundtripDataSignature="AMtx7mgtIad/Vy5rJhN+pqks1PTFvxUQJA=="/>
     </p:ext>
   </p:extLst>
 </p:presentation>
@@ -13093,7 +13096,7 @@
               <a:buSzPct val="100000"/>
               <a:buNone/>
             </a:pPr>
-            <a:endParaRPr sz="1400">
+            <a:endParaRPr sz="1400" dirty="0">
               <a:latin typeface="Comic Sans MS"/>
               <a:ea typeface="Comic Sans MS"/>
               <a:cs typeface="Comic Sans MS"/>
@@ -13117,7 +13120,7 @@
               <a:buSzPct val="100000"/>
               <a:buNone/>
             </a:pPr>
-            <a:endParaRPr sz="1400">
+            <a:endParaRPr sz="1400" dirty="0">
               <a:latin typeface="Comic Sans MS"/>
               <a:ea typeface="Comic Sans MS"/>
               <a:cs typeface="Comic Sans MS"/>
@@ -13142,7 +13145,7 @@
               <a:buNone/>
             </a:pPr>
             <a:r>
-              <a:rPr lang="en-IN" sz="3200" b="1">
+              <a:rPr lang="en-IN" sz="3200" b="1" dirty="0">
                 <a:latin typeface="Arial"/>
                 <a:ea typeface="Arial"/>
                 <a:cs typeface="Arial"/>
@@ -13150,7 +13153,7 @@
               </a:rPr>
               <a:t>Customer Churn Prediction Project</a:t>
             </a:r>
-            <a:endParaRPr sz="3200" b="1">
+            <a:endParaRPr sz="3200" b="1" dirty="0">
               <a:latin typeface="Arial"/>
               <a:ea typeface="Arial"/>
               <a:cs typeface="Arial"/>
@@ -13174,7 +13177,7 @@
               <a:buSzPct val="43750"/>
               <a:buNone/>
             </a:pPr>
-            <a:endParaRPr sz="3200">
+            <a:endParaRPr sz="3200" dirty="0">
               <a:latin typeface="Arial"/>
               <a:ea typeface="Arial"/>
               <a:cs typeface="Arial"/>
@@ -13199,7 +13202,7 @@
               <a:buNone/>
             </a:pPr>
             <a:r>
-              <a:rPr lang="en-IN" sz="1800" b="1">
+              <a:rPr lang="en-IN" sz="1800" b="1" dirty="0">
                 <a:latin typeface="Arial"/>
                 <a:ea typeface="Arial"/>
                 <a:cs typeface="Arial"/>
@@ -13207,7 +13210,21 @@
               </a:rPr>
               <a:t>Authors:</a:t>
             </a:r>
-            <a:endParaRPr sz="1800" b="1">
+          </a:p>
+          <a:p>
+            <a:pPr marL="0" indent="0">
+              <a:buSzPct val="100000"/>
+            </a:pPr>
+            <a:r>
+              <a:rPr lang="en-IN" sz="1800" dirty="0">
+                <a:latin typeface="Arial"/>
+                <a:ea typeface="Arial"/>
+                <a:cs typeface="Arial"/>
+                <a:sym typeface="Arial"/>
+              </a:rPr>
+              <a:t>Monica Luthra</a:t>
+            </a:r>
+            <a:endParaRPr sz="1800" b="1" dirty="0">
               <a:latin typeface="Arial"/>
               <a:ea typeface="Arial"/>
               <a:cs typeface="Arial"/>
@@ -13232,7 +13249,7 @@
               <a:buNone/>
             </a:pPr>
             <a:r>
-              <a:rPr lang="en-IN" sz="1800">
+              <a:rPr lang="en-IN" sz="1800" dirty="0">
                 <a:latin typeface="Arial"/>
                 <a:ea typeface="Arial"/>
                 <a:cs typeface="Arial"/>
@@ -13240,7 +13257,7 @@
               </a:rPr>
               <a:t>Sneha Narwal</a:t>
             </a:r>
-            <a:endParaRPr sz="1800">
+            <a:endParaRPr sz="1800" dirty="0">
               <a:latin typeface="Arial"/>
               <a:ea typeface="Arial"/>
               <a:cs typeface="Arial"/>
@@ -13265,7 +13282,7 @@
               <a:buNone/>
             </a:pPr>
             <a:r>
-              <a:rPr lang="en-IN" sz="1800">
+              <a:rPr lang="en-IN" sz="1800" dirty="0">
                 <a:latin typeface="Arial"/>
                 <a:ea typeface="Arial"/>
                 <a:cs typeface="Arial"/>
@@ -13273,7 +13290,7 @@
               </a:rPr>
               <a:t>Diwakar Sherawat</a:t>
             </a:r>
-            <a:endParaRPr sz="1800">
+            <a:endParaRPr sz="1800" dirty="0">
               <a:latin typeface="Arial"/>
               <a:ea typeface="Arial"/>
               <a:cs typeface="Arial"/>
@@ -13298,7 +13315,7 @@
               <a:buNone/>
             </a:pPr>
             <a:r>
-              <a:rPr lang="en-IN" sz="1800">
+              <a:rPr lang="en-IN" sz="1800" dirty="0">
                 <a:latin typeface="Arial"/>
                 <a:ea typeface="Arial"/>
                 <a:cs typeface="Arial"/>
@@ -13306,7 +13323,7 @@
               </a:rPr>
               <a:t>Shruti Gupta</a:t>
             </a:r>
-            <a:endParaRPr sz="1800">
+            <a:endParaRPr sz="1800" dirty="0">
               <a:latin typeface="Arial"/>
               <a:ea typeface="Arial"/>
               <a:cs typeface="Arial"/>
@@ -13331,7 +13348,7 @@
               <a:buNone/>
             </a:pPr>
             <a:r>
-              <a:rPr lang="en-IN" sz="1800">
+              <a:rPr lang="en-IN" sz="1800" dirty="0">
                 <a:latin typeface="Arial"/>
                 <a:ea typeface="Arial"/>
                 <a:cs typeface="Arial"/>
@@ -13339,7 +13356,7 @@
               </a:rPr>
               <a:t>Rony Biju</a:t>
             </a:r>
-            <a:endParaRPr sz="1800">
+            <a:endParaRPr sz="1800" dirty="0">
               <a:latin typeface="Arial"/>
               <a:ea typeface="Arial"/>
               <a:cs typeface="Arial"/>
@@ -13364,7 +13381,7 @@
               <a:buNone/>
             </a:pPr>
             <a:r>
-              <a:rPr lang="en-IN" sz="1800">
+              <a:rPr lang="en-IN" sz="1800" dirty="0">
                 <a:latin typeface="Arial"/>
                 <a:ea typeface="Arial"/>
                 <a:cs typeface="Arial"/>
@@ -13372,7 +13389,25 @@
               </a:rPr>
               <a:t>Abhay Manhas</a:t>
             </a:r>
-            <a:endParaRPr sz="1800">
+          </a:p>
+          <a:p>
+            <a:pPr marL="0" lvl="0" indent="0" algn="l" rtl="0">
+              <a:lnSpc>
+                <a:spcPct val="90000"/>
+              </a:lnSpc>
+              <a:spcBef>
+                <a:spcPts val="1000"/>
+              </a:spcBef>
+              <a:spcAft>
+                <a:spcPts val="0"/>
+              </a:spcAft>
+              <a:buClr>
+                <a:schemeClr val="dk1"/>
+              </a:buClr>
+              <a:buSzPct val="100000"/>
+              <a:buNone/>
+            </a:pPr>
+            <a:endParaRPr sz="1800" dirty="0">
               <a:latin typeface="Arial"/>
               <a:ea typeface="Arial"/>
               <a:cs typeface="Arial"/>
@@ -13380,30 +13415,6 @@
             </a:endParaRPr>
           </a:p>
           <a:p>
-            <a:pPr marL="0" lvl="0" indent="0" algn="l" rtl="0">
-              <a:lnSpc>
-                <a:spcPct val="90000"/>
-              </a:lnSpc>
-              <a:spcBef>
-                <a:spcPts val="1000"/>
-              </a:spcBef>
-              <a:spcAft>
-                <a:spcPts val="0"/>
-              </a:spcAft>
-              <a:buClr>
-                <a:schemeClr val="dk1"/>
-              </a:buClr>
-              <a:buSzPct val="100000"/>
-              <a:buNone/>
-            </a:pPr>
-            <a:endParaRPr sz="1800">
-              <a:latin typeface="Arial"/>
-              <a:ea typeface="Arial"/>
-              <a:cs typeface="Arial"/>
-              <a:sym typeface="Arial"/>
-            </a:endParaRPr>
-          </a:p>
-          <a:p>
             <a:pPr marL="0" lvl="0" indent="0" algn="ctr" rtl="0">
               <a:lnSpc>
                 <a:spcPct val="90000"/>
@@ -13421,7 +13432,7 @@
               <a:buNone/>
             </a:pPr>
             <a:r>
-              <a:rPr lang="en-IN" sz="1800" b="1">
+              <a:rPr lang="en-IN" sz="1800" b="1" dirty="0">
                 <a:latin typeface="Arial"/>
                 <a:ea typeface="Arial"/>
                 <a:cs typeface="Arial"/>
@@ -13429,7 +13440,7 @@
               </a:rPr>
               <a:t>Affiliation of Presenting Author:</a:t>
             </a:r>
-            <a:endParaRPr sz="1800" b="1">
+            <a:endParaRPr sz="1800" b="1" dirty="0">
               <a:latin typeface="Arial"/>
               <a:ea typeface="Arial"/>
               <a:cs typeface="Arial"/>
@@ -13454,7 +13465,7 @@
               <a:buNone/>
             </a:pPr>
             <a:r>
-              <a:rPr lang="en-IN" sz="1800">
+              <a:rPr lang="en-IN" sz="1800" dirty="0">
                 <a:latin typeface="Arial"/>
                 <a:ea typeface="Arial"/>
                 <a:cs typeface="Arial"/>
@@ -13462,7 +13473,7 @@
               </a:rPr>
               <a:t>Chandigarh University</a:t>
             </a:r>
-            <a:endParaRPr sz="1800">
+            <a:endParaRPr sz="1800" dirty="0">
               <a:latin typeface="Arial"/>
               <a:ea typeface="Arial"/>
               <a:cs typeface="Arial"/>
@@ -13486,7 +13497,7 @@
               <a:buSzPct val="100000"/>
               <a:buNone/>
             </a:pPr>
-            <a:endParaRPr sz="1400">
+            <a:endParaRPr sz="1400" dirty="0">
               <a:latin typeface="Comic Sans MS"/>
               <a:ea typeface="Comic Sans MS"/>
               <a:cs typeface="Comic Sans MS"/>
@@ -13510,7 +13521,7 @@
               <a:buSzPct val="100000"/>
               <a:buNone/>
             </a:pPr>
-            <a:endParaRPr sz="1400">
+            <a:endParaRPr sz="1400" dirty="0">
               <a:latin typeface="Comic Sans MS"/>
               <a:ea typeface="Comic Sans MS"/>
               <a:cs typeface="Comic Sans MS"/>
@@ -13738,7 +13749,7 @@
         </p:spPr>
         <p:txBody>
           <a:bodyPr spcFirstLastPara="1" wrap="square" lIns="91425" tIns="45700" rIns="91425" bIns="45700" anchor="t" anchorCtr="0">
-            <a:normAutofit fontScale="92500" lnSpcReduction="20000"/>
+            <a:normAutofit fontScale="92500" lnSpcReduction="10000"/>
           </a:bodyPr>
           <a:lstStyle/>
           <a:p>
@@ -14353,7 +14364,7 @@
         </p:spPr>
         <p:txBody>
           <a:bodyPr spcFirstLastPara="1" wrap="square" lIns="91425" tIns="45700" rIns="91425" bIns="45700" anchor="t" anchorCtr="0">
-            <a:normAutofit fontScale="32500"/>
+            <a:normAutofit fontScale="40000" lnSpcReduction="10000"/>
           </a:bodyPr>
           <a:lstStyle/>
           <a:p>
@@ -15635,7 +15646,7 @@
         </p:spPr>
         <p:txBody>
           <a:bodyPr spcFirstLastPara="1" wrap="square" lIns="91425" tIns="45700" rIns="91425" bIns="45700" anchor="t" anchorCtr="0">
-            <a:normAutofit lnSpcReduction="20000"/>
+            <a:normAutofit fontScale="92500"/>
           </a:bodyPr>
           <a:lstStyle/>
           <a:p>
@@ -16189,7 +16200,7 @@
         </p:spPr>
         <p:txBody>
           <a:bodyPr spcFirstLastPara="1" wrap="square" lIns="91425" tIns="45700" rIns="91425" bIns="45700" anchor="t" anchorCtr="0">
-            <a:normAutofit fontScale="55000" lnSpcReduction="20000"/>
+            <a:normAutofit fontScale="62500" lnSpcReduction="20000"/>
           </a:bodyPr>
           <a:lstStyle/>
           <a:p>
@@ -17143,7 +17154,7 @@
         </p:spPr>
         <p:txBody>
           <a:bodyPr spcFirstLastPara="1" wrap="square" lIns="91425" tIns="45700" rIns="91425" bIns="45700" anchor="t" anchorCtr="0">
-            <a:normAutofit lnSpcReduction="20000"/>
+            <a:normAutofit lnSpcReduction="10000"/>
           </a:bodyPr>
           <a:lstStyle/>
           <a:p>
@@ -17890,7 +17901,7 @@
         </p:spPr>
         <p:txBody>
           <a:bodyPr spcFirstLastPara="1" wrap="square" lIns="91425" tIns="45700" rIns="91425" bIns="45700" anchor="t" anchorCtr="0">
-            <a:normAutofit fontScale="92500" lnSpcReduction="20000"/>
+            <a:normAutofit/>
           </a:bodyPr>
           <a:lstStyle/>
           <a:p>
@@ -18903,7 +18914,7 @@
         </p:spPr>
         <p:txBody>
           <a:bodyPr spcFirstLastPara="1" wrap="square" lIns="91425" tIns="45700" rIns="91425" bIns="45700" anchor="t" anchorCtr="0">
-            <a:normAutofit fontScale="77500" lnSpcReduction="20000"/>
+            <a:normAutofit fontScale="85000" lnSpcReduction="20000"/>
           </a:bodyPr>
           <a:lstStyle/>
           <a:p>
